--- a/components/Millikan.pptx
+++ b/components/Millikan.pptx
@@ -5,11 +5,14 @@
     <p:sldMasterId id="2147483648" r:id="rId1"/>
   </p:sldMasterIdLst>
   <p:sldIdLst>
-    <p:sldId id="261" r:id="rId2"/>
-    <p:sldId id="257" r:id="rId3"/>
-    <p:sldId id="258" r:id="rId4"/>
-    <p:sldId id="260" r:id="rId5"/>
-    <p:sldId id="259" r:id="rId6"/>
+    <p:sldId id="262" r:id="rId2"/>
+    <p:sldId id="261" r:id="rId3"/>
+    <p:sldId id="257" r:id="rId4"/>
+    <p:sldId id="258" r:id="rId5"/>
+    <p:sldId id="260" r:id="rId6"/>
+    <p:sldId id="259" r:id="rId7"/>
+    <p:sldId id="263" r:id="rId8"/>
+    <p:sldId id="264" r:id="rId9"/>
   </p:sldIdLst>
   <p:sldSz cx="12192000" cy="6858000"/>
   <p:notesSz cx="6858000" cy="9144000"/>
@@ -265,7 +268,7 @@
           <a:p>
             <a:fld id="{E8CDABE7-26A0-4D19-9299-1D29AD72518A}" type="datetimeFigureOut">
               <a:rPr lang="en-IN" smtClean="0"/>
-              <a:t>23-08-2023</a:t>
+              <a:t>24-08-2023</a:t>
             </a:fld>
             <a:endParaRPr lang="en-IN"/>
           </a:p>
@@ -465,7 +468,7 @@
           <a:p>
             <a:fld id="{E8CDABE7-26A0-4D19-9299-1D29AD72518A}" type="datetimeFigureOut">
               <a:rPr lang="en-IN" smtClean="0"/>
-              <a:t>23-08-2023</a:t>
+              <a:t>24-08-2023</a:t>
             </a:fld>
             <a:endParaRPr lang="en-IN"/>
           </a:p>
@@ -675,7 +678,7 @@
           <a:p>
             <a:fld id="{E8CDABE7-26A0-4D19-9299-1D29AD72518A}" type="datetimeFigureOut">
               <a:rPr lang="en-IN" smtClean="0"/>
-              <a:t>23-08-2023</a:t>
+              <a:t>24-08-2023</a:t>
             </a:fld>
             <a:endParaRPr lang="en-IN"/>
           </a:p>
@@ -875,7 +878,7 @@
           <a:p>
             <a:fld id="{E8CDABE7-26A0-4D19-9299-1D29AD72518A}" type="datetimeFigureOut">
               <a:rPr lang="en-IN" smtClean="0"/>
-              <a:t>23-08-2023</a:t>
+              <a:t>24-08-2023</a:t>
             </a:fld>
             <a:endParaRPr lang="en-IN"/>
           </a:p>
@@ -1151,7 +1154,7 @@
           <a:p>
             <a:fld id="{E8CDABE7-26A0-4D19-9299-1D29AD72518A}" type="datetimeFigureOut">
               <a:rPr lang="en-IN" smtClean="0"/>
-              <a:t>23-08-2023</a:t>
+              <a:t>24-08-2023</a:t>
             </a:fld>
             <a:endParaRPr lang="en-IN"/>
           </a:p>
@@ -1419,7 +1422,7 @@
           <a:p>
             <a:fld id="{E8CDABE7-26A0-4D19-9299-1D29AD72518A}" type="datetimeFigureOut">
               <a:rPr lang="en-IN" smtClean="0"/>
-              <a:t>23-08-2023</a:t>
+              <a:t>24-08-2023</a:t>
             </a:fld>
             <a:endParaRPr lang="en-IN"/>
           </a:p>
@@ -1834,7 +1837,7 @@
           <a:p>
             <a:fld id="{E8CDABE7-26A0-4D19-9299-1D29AD72518A}" type="datetimeFigureOut">
               <a:rPr lang="en-IN" smtClean="0"/>
-              <a:t>23-08-2023</a:t>
+              <a:t>24-08-2023</a:t>
             </a:fld>
             <a:endParaRPr lang="en-IN"/>
           </a:p>
@@ -1976,7 +1979,7 @@
           <a:p>
             <a:fld id="{E8CDABE7-26A0-4D19-9299-1D29AD72518A}" type="datetimeFigureOut">
               <a:rPr lang="en-IN" smtClean="0"/>
-              <a:t>23-08-2023</a:t>
+              <a:t>24-08-2023</a:t>
             </a:fld>
             <a:endParaRPr lang="en-IN"/>
           </a:p>
@@ -2089,7 +2092,7 @@
           <a:p>
             <a:fld id="{E8CDABE7-26A0-4D19-9299-1D29AD72518A}" type="datetimeFigureOut">
               <a:rPr lang="en-IN" smtClean="0"/>
-              <a:t>23-08-2023</a:t>
+              <a:t>24-08-2023</a:t>
             </a:fld>
             <a:endParaRPr lang="en-IN"/>
           </a:p>
@@ -2402,7 +2405,7 @@
           <a:p>
             <a:fld id="{E8CDABE7-26A0-4D19-9299-1D29AD72518A}" type="datetimeFigureOut">
               <a:rPr lang="en-IN" smtClean="0"/>
-              <a:t>23-08-2023</a:t>
+              <a:t>24-08-2023</a:t>
             </a:fld>
             <a:endParaRPr lang="en-IN"/>
           </a:p>
@@ -2691,7 +2694,7 @@
           <a:p>
             <a:fld id="{E8CDABE7-26A0-4D19-9299-1D29AD72518A}" type="datetimeFigureOut">
               <a:rPr lang="en-IN" smtClean="0"/>
-              <a:t>23-08-2023</a:t>
+              <a:t>24-08-2023</a:t>
             </a:fld>
             <a:endParaRPr lang="en-IN"/>
           </a:p>
@@ -2934,7 +2937,7 @@
           <a:p>
             <a:fld id="{E8CDABE7-26A0-4D19-9299-1D29AD72518A}" type="datetimeFigureOut">
               <a:rPr lang="en-IN" smtClean="0"/>
-              <a:t>23-08-2023</a:t>
+              <a:t>24-08-2023</a:t>
             </a:fld>
             <a:endParaRPr lang="en-IN"/>
           </a:p>
@@ -3356,6 +3359,119 @@
           <p:cNvPr id="2" name="Title 1">
             <a:extLst>
               <a:ext uri="{FF2B5EF4-FFF2-40B4-BE49-F238E27FC236}">
+                <a16:creationId xmlns:a16="http://schemas.microsoft.com/office/drawing/2014/main" id="{9CBA4539-1ED8-76C2-3615-880237DBABB8}"/>
+              </a:ext>
+            </a:extLst>
+          </p:cNvPr>
+          <p:cNvSpPr>
+            <a:spLocks noGrp="1"/>
+          </p:cNvSpPr>
+          <p:nvPr>
+            <p:ph type="title"/>
+          </p:nvPr>
+        </p:nvSpPr>
+        <p:spPr/>
+        <p:txBody>
+          <a:bodyPr>
+            <a:normAutofit fontScale="90000"/>
+          </a:bodyPr>
+          <a:lstStyle/>
+          <a:p>
+            <a:pPr algn="ctr"/>
+            <a:r>
+              <a:rPr lang="en-GB" dirty="0"/>
+              <a:t>Automation of Millikan apparatus with computer vision and electronically controlled commutator</a:t>
+            </a:r>
+            <a:endParaRPr lang="en-IN" dirty="0"/>
+          </a:p>
+        </p:txBody>
+      </p:sp>
+      <p:sp>
+        <p:nvSpPr>
+          <p:cNvPr id="3" name="Content Placeholder 2">
+            <a:extLst>
+              <a:ext uri="{FF2B5EF4-FFF2-40B4-BE49-F238E27FC236}">
+                <a16:creationId xmlns:a16="http://schemas.microsoft.com/office/drawing/2014/main" id="{04BED685-283D-CF57-E2BF-F6F734528C34}"/>
+              </a:ext>
+            </a:extLst>
+          </p:cNvPr>
+          <p:cNvSpPr>
+            <a:spLocks noGrp="1"/>
+          </p:cNvSpPr>
+          <p:nvPr>
+            <p:ph idx="1"/>
+          </p:nvPr>
+        </p:nvSpPr>
+        <p:spPr/>
+        <p:txBody>
+          <a:bodyPr/>
+          <a:lstStyle/>
+          <a:p>
+            <a:r>
+              <a:rPr lang="en-GB" dirty="0"/>
+              <a:t>Arduino uno can be used to provide a control signal to a relay/H-bridge/set of MOSFETs which can be used as a commutator.</a:t>
+            </a:r>
+          </a:p>
+          <a:p>
+            <a:r>
+              <a:rPr lang="en-GB" dirty="0"/>
+              <a:t>The 5-voltage pins of Arduino are sufficient to control the MOSFET/H-bridge by controlling the gate-source voltage</a:t>
+            </a:r>
+          </a:p>
+          <a:p>
+            <a:r>
+              <a:rPr lang="en-GB" dirty="0"/>
+              <a:t>Since the commutator </a:t>
+            </a:r>
+            <a:r>
+              <a:rPr lang="en-GB" dirty="0" err="1"/>
+              <a:t>capparatus</a:t>
+            </a:r>
+            <a:r>
+              <a:rPr lang="en-GB" dirty="0"/>
+              <a:t> is connected to a capacitor, we also do not need any high current carrying capacity in the MOSFETs.</a:t>
+            </a:r>
+          </a:p>
+          <a:p>
+            <a:endParaRPr lang="en-IN" dirty="0"/>
+          </a:p>
+        </p:txBody>
+      </p:sp>
+    </p:spTree>
+    <p:extLst>
+      <p:ext uri="{BB962C8B-B14F-4D97-AF65-F5344CB8AC3E}">
+        <p14:creationId xmlns:p14="http://schemas.microsoft.com/office/powerpoint/2010/main" val="2819454052"/>
+      </p:ext>
+    </p:extLst>
+  </p:cSld>
+  <p:clrMapOvr>
+    <a:masterClrMapping/>
+  </p:clrMapOvr>
+</p:sld>
+</file>
+
+<file path=ppt/slides/slide2.xml><?xml version="1.0" encoding="utf-8"?>
+<p:sld xmlns:a="http://schemas.openxmlformats.org/drawingml/2006/main" xmlns:r="http://schemas.openxmlformats.org/officeDocument/2006/relationships" xmlns:p="http://schemas.openxmlformats.org/presentationml/2006/main">
+  <p:cSld>
+    <p:spTree>
+      <p:nvGrpSpPr>
+        <p:cNvPr id="1" name=""/>
+        <p:cNvGrpSpPr/>
+        <p:nvPr/>
+      </p:nvGrpSpPr>
+      <p:grpSpPr>
+        <a:xfrm>
+          <a:off x="0" y="0"/>
+          <a:ext cx="0" cy="0"/>
+          <a:chOff x="0" y="0"/>
+          <a:chExt cx="0" cy="0"/>
+        </a:xfrm>
+      </p:grpSpPr>
+      <p:sp>
+        <p:nvSpPr>
+          <p:cNvPr id="2" name="Title 1">
+            <a:extLst>
+              <a:ext uri="{FF2B5EF4-FFF2-40B4-BE49-F238E27FC236}">
                 <a16:creationId xmlns:a16="http://schemas.microsoft.com/office/drawing/2014/main" id="{4E7CD20A-FF31-1870-41F5-5A10ECBFC589}"/>
               </a:ext>
             </a:extLst>
@@ -3467,129 +3583,6 @@
 </p:sld>
 </file>
 
-<file path=ppt/slides/slide2.xml><?xml version="1.0" encoding="utf-8"?>
-<p:sld xmlns:a="http://schemas.openxmlformats.org/drawingml/2006/main" xmlns:r="http://schemas.openxmlformats.org/officeDocument/2006/relationships" xmlns:p="http://schemas.openxmlformats.org/presentationml/2006/main">
-  <p:cSld>
-    <p:spTree>
-      <p:nvGrpSpPr>
-        <p:cNvPr id="1" name=""/>
-        <p:cNvGrpSpPr/>
-        <p:nvPr/>
-      </p:nvGrpSpPr>
-      <p:grpSpPr>
-        <a:xfrm>
-          <a:off x="0" y="0"/>
-          <a:ext cx="0" cy="0"/>
-          <a:chOff x="0" y="0"/>
-          <a:chExt cx="0" cy="0"/>
-        </a:xfrm>
-      </p:grpSpPr>
-      <p:sp>
-        <p:nvSpPr>
-          <p:cNvPr id="2" name="Title 1">
-            <a:extLst>
-              <a:ext uri="{FF2B5EF4-FFF2-40B4-BE49-F238E27FC236}">
-                <a16:creationId xmlns:a16="http://schemas.microsoft.com/office/drawing/2014/main" id="{AA2B6979-E0C9-F6A8-0375-A177F1FC4E9A}"/>
-              </a:ext>
-            </a:extLst>
-          </p:cNvPr>
-          <p:cNvSpPr>
-            <a:spLocks noGrp="1"/>
-          </p:cNvSpPr>
-          <p:nvPr>
-            <p:ph type="title"/>
-          </p:nvPr>
-        </p:nvSpPr>
-        <p:spPr/>
-        <p:txBody>
-          <a:bodyPr/>
-          <a:lstStyle/>
-          <a:p>
-            <a:r>
-              <a:rPr lang="en-IN" dirty="0"/>
-              <a:t>Electronic commutator(H-bridge) controlled using Arduino (L293D)</a:t>
-            </a:r>
-          </a:p>
-        </p:txBody>
-      </p:sp>
-      <p:pic>
-        <p:nvPicPr>
-          <p:cNvPr id="5" name="Content Placeholder 4">
-            <a:extLst>
-              <a:ext uri="{FF2B5EF4-FFF2-40B4-BE49-F238E27FC236}">
-                <a16:creationId xmlns:a16="http://schemas.microsoft.com/office/drawing/2014/main" id="{C1C98693-74E6-79D5-3FE1-063F0B1D6CA6}"/>
-              </a:ext>
-            </a:extLst>
-          </p:cNvPr>
-          <p:cNvPicPr>
-            <a:picLocks noGrp="1" noChangeAspect="1"/>
-          </p:cNvPicPr>
-          <p:nvPr>
-            <p:ph idx="1"/>
-          </p:nvPr>
-        </p:nvPicPr>
-        <p:blipFill>
-          <a:blip r:embed="rId2"/>
-          <a:stretch>
-            <a:fillRect/>
-          </a:stretch>
-        </p:blipFill>
-        <p:spPr>
-          <a:xfrm>
-            <a:off x="991983" y="2372440"/>
-            <a:ext cx="9821951" cy="4351338"/>
-          </a:xfrm>
-        </p:spPr>
-      </p:pic>
-      <p:sp>
-        <p:nvSpPr>
-          <p:cNvPr id="3" name="TextBox 2">
-            <a:extLst>
-              <a:ext uri="{FF2B5EF4-FFF2-40B4-BE49-F238E27FC236}">
-                <a16:creationId xmlns:a16="http://schemas.microsoft.com/office/drawing/2014/main" id="{245ABCF8-E52A-135F-1D34-CF263150CFAD}"/>
-              </a:ext>
-            </a:extLst>
-          </p:cNvPr>
-          <p:cNvSpPr txBox="1"/>
-          <p:nvPr/>
-        </p:nvSpPr>
-        <p:spPr>
-          <a:xfrm>
-            <a:off x="1076960" y="1940560"/>
-            <a:ext cx="9784080" cy="369332"/>
-          </a:xfrm>
-          <a:prstGeom prst="rect">
-            <a:avLst/>
-          </a:prstGeom>
-          <a:noFill/>
-        </p:spPr>
-        <p:txBody>
-          <a:bodyPr wrap="square" rtlCol="0">
-            <a:spAutoFit/>
-          </a:bodyPr>
-          <a:lstStyle/>
-          <a:p>
-            <a:r>
-              <a:rPr lang="en-GB" dirty="0"/>
-              <a:t>Max switching voltage:36 V </a:t>
-            </a:r>
-            <a:endParaRPr lang="en-IN" dirty="0"/>
-          </a:p>
-        </p:txBody>
-      </p:sp>
-    </p:spTree>
-    <p:extLst>
-      <p:ext uri="{BB962C8B-B14F-4D97-AF65-F5344CB8AC3E}">
-        <p14:creationId xmlns:p14="http://schemas.microsoft.com/office/powerpoint/2010/main" val="3507529423"/>
-      </p:ext>
-    </p:extLst>
-  </p:cSld>
-  <p:clrMapOvr>
-    <a:masterClrMapping/>
-  </p:clrMapOvr>
-</p:sld>
-</file>
-
 <file path=ppt/slides/slide3.xml><?xml version="1.0" encoding="utf-8"?>
 <p:sld xmlns:a="http://schemas.openxmlformats.org/drawingml/2006/main" xmlns:r="http://schemas.openxmlformats.org/officeDocument/2006/relationships" xmlns:p="http://schemas.openxmlformats.org/presentationml/2006/main">
   <p:cSld>
@@ -3612,7 +3605,7 @@
           <p:cNvPr id="2" name="Title 1">
             <a:extLst>
               <a:ext uri="{FF2B5EF4-FFF2-40B4-BE49-F238E27FC236}">
-                <a16:creationId xmlns:a16="http://schemas.microsoft.com/office/drawing/2014/main" id="{4E92ED4D-3656-8657-8E08-226F8130E789}"/>
+                <a16:creationId xmlns:a16="http://schemas.microsoft.com/office/drawing/2014/main" id="{AA2B6979-E0C9-F6A8-0375-A177F1FC4E9A}"/>
               </a:ext>
             </a:extLst>
           </p:cNvPr>
@@ -3630,80 +3623,26 @@
           <a:p>
             <a:r>
               <a:rPr lang="en-IN" dirty="0"/>
-              <a:t>NXV65HR82DS1-H bridge with switch voltage of 650V</a:t>
-            </a:r>
-          </a:p>
-        </p:txBody>
-      </p:sp>
-      <p:sp>
-        <p:nvSpPr>
-          <p:cNvPr id="3" name="Content Placeholder 2">
-            <a:extLst>
-              <a:ext uri="{FF2B5EF4-FFF2-40B4-BE49-F238E27FC236}">
-                <a16:creationId xmlns:a16="http://schemas.microsoft.com/office/drawing/2014/main" id="{2D7E3A01-8119-3B11-21D1-E3E1C9053EB0}"/>
-              </a:ext>
-            </a:extLst>
-          </p:cNvPr>
-          <p:cNvSpPr>
-            <a:spLocks noGrp="1"/>
-          </p:cNvSpPr>
-          <p:nvPr>
-            <p:ph idx="1"/>
-          </p:nvPr>
-        </p:nvSpPr>
-        <p:spPr>
-          <a:xfrm>
-            <a:off x="838200" y="1825625"/>
-            <a:ext cx="8986935" cy="4351338"/>
-          </a:xfrm>
-        </p:spPr>
-        <p:txBody>
-          <a:bodyPr/>
-          <a:lstStyle/>
-          <a:p>
-            <a:r>
-              <a:rPr lang="en-IN" dirty="0"/>
-              <a:t>V</a:t>
-            </a:r>
-            <a:r>
-              <a:rPr lang="en-IN" baseline="-25000" dirty="0"/>
-              <a:t>T</a:t>
-            </a:r>
-            <a:r>
-              <a:rPr lang="en-IN" dirty="0"/>
-              <a:t>= 3V-5V (minimum gate-source voltage to turn on MOSFET) </a:t>
-            </a:r>
-          </a:p>
-          <a:p>
-            <a:r>
-              <a:rPr lang="en-IN" dirty="0"/>
-              <a:t>Maximum V</a:t>
-            </a:r>
-            <a:r>
-              <a:rPr lang="en-IN" baseline="-25000" dirty="0"/>
-              <a:t>DS</a:t>
-            </a:r>
-            <a:r>
-              <a:rPr lang="en-IN" dirty="0"/>
-              <a:t>=650V</a:t>
-            </a:r>
-            <a:endParaRPr lang="en-IN" baseline="-25000" dirty="0"/>
+              <a:t>Electronic commutator(H-bridge) controlled using Arduino (L293D)</a:t>
+            </a:r>
           </a:p>
         </p:txBody>
       </p:sp>
       <p:pic>
         <p:nvPicPr>
-          <p:cNvPr id="11" name="Picture 10">
-            <a:extLst>
-              <a:ext uri="{FF2B5EF4-FFF2-40B4-BE49-F238E27FC236}">
-                <a16:creationId xmlns:a16="http://schemas.microsoft.com/office/drawing/2014/main" id="{037507AA-826C-DFDD-B7C8-85FB2217AB3A}"/>
+          <p:cNvPr id="5" name="Content Placeholder 4">
+            <a:extLst>
+              <a:ext uri="{FF2B5EF4-FFF2-40B4-BE49-F238E27FC236}">
+                <a16:creationId xmlns:a16="http://schemas.microsoft.com/office/drawing/2014/main" id="{C1C98693-74E6-79D5-3FE1-063F0B1D6CA6}"/>
               </a:ext>
             </a:extLst>
           </p:cNvPr>
           <p:cNvPicPr>
-            <a:picLocks noChangeAspect="1"/>
+            <a:picLocks noGrp="1" noChangeAspect="1"/>
           </p:cNvPicPr>
-          <p:nvPr/>
+          <p:nvPr>
+            <p:ph idx="1"/>
+          </p:nvPr>
         </p:nvPicPr>
         <p:blipFill>
           <a:blip r:embed="rId2"/>
@@ -3713,77 +3652,51 @@
         </p:blipFill>
         <p:spPr>
           <a:xfrm>
-            <a:off x="8925362" y="1690688"/>
-            <a:ext cx="2151783" cy="1563629"/>
+            <a:off x="991983" y="2372440"/>
+            <a:ext cx="9821951" cy="4351338"/>
+          </a:xfrm>
+        </p:spPr>
+      </p:pic>
+      <p:sp>
+        <p:nvSpPr>
+          <p:cNvPr id="3" name="TextBox 2">
+            <a:extLst>
+              <a:ext uri="{FF2B5EF4-FFF2-40B4-BE49-F238E27FC236}">
+                <a16:creationId xmlns:a16="http://schemas.microsoft.com/office/drawing/2014/main" id="{245ABCF8-E52A-135F-1D34-CF263150CFAD}"/>
+              </a:ext>
+            </a:extLst>
+          </p:cNvPr>
+          <p:cNvSpPr txBox="1"/>
+          <p:nvPr/>
+        </p:nvSpPr>
+        <p:spPr>
+          <a:xfrm>
+            <a:off x="1076960" y="1940560"/>
+            <a:ext cx="9784080" cy="369332"/>
           </a:xfrm>
           <a:prstGeom prst="rect">
             <a:avLst/>
           </a:prstGeom>
+          <a:noFill/>
         </p:spPr>
-      </p:pic>
-      <p:pic>
-        <p:nvPicPr>
-          <p:cNvPr id="13" name="Picture 12">
-            <a:extLst>
-              <a:ext uri="{FF2B5EF4-FFF2-40B4-BE49-F238E27FC236}">
-                <a16:creationId xmlns:a16="http://schemas.microsoft.com/office/drawing/2014/main" id="{955293A1-BB10-4A5B-15E7-687880E5E522}"/>
-              </a:ext>
-            </a:extLst>
-          </p:cNvPr>
-          <p:cNvPicPr>
-            <a:picLocks noChangeAspect="1"/>
-          </p:cNvPicPr>
-          <p:nvPr/>
-        </p:nvPicPr>
-        <p:blipFill>
-          <a:blip r:embed="rId3"/>
-          <a:stretch>
-            <a:fillRect/>
-          </a:stretch>
-        </p:blipFill>
-        <p:spPr>
-          <a:xfrm>
-            <a:off x="514251" y="3195737"/>
-            <a:ext cx="3560571" cy="3411438"/>
-          </a:xfrm>
-          <a:prstGeom prst="rect">
-            <a:avLst/>
-          </a:prstGeom>
-        </p:spPr>
-      </p:pic>
-      <p:pic>
-        <p:nvPicPr>
-          <p:cNvPr id="15" name="Picture 14">
-            <a:extLst>
-              <a:ext uri="{FF2B5EF4-FFF2-40B4-BE49-F238E27FC236}">
-                <a16:creationId xmlns:a16="http://schemas.microsoft.com/office/drawing/2014/main" id="{E1C0F151-546B-AC75-FE08-F9651F0D5C27}"/>
-              </a:ext>
-            </a:extLst>
-          </p:cNvPr>
-          <p:cNvPicPr>
-            <a:picLocks noChangeAspect="1"/>
-          </p:cNvPicPr>
-          <p:nvPr/>
-        </p:nvPicPr>
-        <p:blipFill rotWithShape="1">
-          <a:blip r:embed="rId4"/>
-          <a:srcRect t="1320"/>
-          <a:stretch/>
-        </p:blipFill>
-        <p:spPr>
-          <a:xfrm>
-            <a:off x="6573120" y="3195737"/>
-            <a:ext cx="3088119" cy="3500438"/>
-          </a:xfrm>
-          <a:prstGeom prst="rect">
-            <a:avLst/>
-          </a:prstGeom>
-        </p:spPr>
-      </p:pic>
+        <p:txBody>
+          <a:bodyPr wrap="square" rtlCol="0">
+            <a:spAutoFit/>
+          </a:bodyPr>
+          <a:lstStyle/>
+          <a:p>
+            <a:r>
+              <a:rPr lang="en-GB" dirty="0"/>
+              <a:t>Max switching voltage:36 V </a:t>
+            </a:r>
+            <a:endParaRPr lang="en-IN" dirty="0"/>
+          </a:p>
+        </p:txBody>
+      </p:sp>
     </p:spTree>
     <p:extLst>
       <p:ext uri="{BB962C8B-B14F-4D97-AF65-F5344CB8AC3E}">
-        <p14:creationId xmlns:p14="http://schemas.microsoft.com/office/powerpoint/2010/main" val="2888503266"/>
+        <p14:creationId xmlns:p14="http://schemas.microsoft.com/office/powerpoint/2010/main" val="3507529423"/>
       </p:ext>
     </p:extLst>
   </p:cSld>
@@ -3815,6 +3728,244 @@
           <p:cNvPr id="2" name="Title 1">
             <a:extLst>
               <a:ext uri="{FF2B5EF4-FFF2-40B4-BE49-F238E27FC236}">
+                <a16:creationId xmlns:a16="http://schemas.microsoft.com/office/drawing/2014/main" id="{4E92ED4D-3656-8657-8E08-226F8130E789}"/>
+              </a:ext>
+            </a:extLst>
+          </p:cNvPr>
+          <p:cNvSpPr>
+            <a:spLocks noGrp="1"/>
+          </p:cNvSpPr>
+          <p:nvPr>
+            <p:ph type="title"/>
+          </p:nvPr>
+        </p:nvSpPr>
+        <p:spPr/>
+        <p:txBody>
+          <a:bodyPr/>
+          <a:lstStyle/>
+          <a:p>
+            <a:r>
+              <a:rPr lang="en-IN" dirty="0"/>
+              <a:t>NXV65HR82DS1- H bridge with switch voltage of 650V</a:t>
+            </a:r>
+          </a:p>
+        </p:txBody>
+      </p:sp>
+      <p:sp>
+        <p:nvSpPr>
+          <p:cNvPr id="3" name="Content Placeholder 2">
+            <a:extLst>
+              <a:ext uri="{FF2B5EF4-FFF2-40B4-BE49-F238E27FC236}">
+                <a16:creationId xmlns:a16="http://schemas.microsoft.com/office/drawing/2014/main" id="{2D7E3A01-8119-3B11-21D1-E3E1C9053EB0}"/>
+              </a:ext>
+            </a:extLst>
+          </p:cNvPr>
+          <p:cNvSpPr>
+            <a:spLocks noGrp="1"/>
+          </p:cNvSpPr>
+          <p:nvPr>
+            <p:ph idx="1"/>
+          </p:nvPr>
+        </p:nvSpPr>
+        <p:spPr>
+          <a:xfrm>
+            <a:off x="838200" y="1825625"/>
+            <a:ext cx="8986935" cy="4351338"/>
+          </a:xfrm>
+        </p:spPr>
+        <p:txBody>
+          <a:bodyPr/>
+          <a:lstStyle/>
+          <a:p>
+            <a:r>
+              <a:rPr lang="en-IN" dirty="0"/>
+              <a:t>V</a:t>
+            </a:r>
+            <a:r>
+              <a:rPr lang="en-IN" baseline="-25000" dirty="0"/>
+              <a:t>T</a:t>
+            </a:r>
+            <a:r>
+              <a:rPr lang="en-IN" dirty="0"/>
+              <a:t>= 3V-5V (minimum gate-source voltage to turn on MOSFET) </a:t>
+            </a:r>
+          </a:p>
+          <a:p>
+            <a:r>
+              <a:rPr lang="en-IN" dirty="0"/>
+              <a:t>Maximum V</a:t>
+            </a:r>
+            <a:r>
+              <a:rPr lang="en-IN" baseline="-25000" dirty="0"/>
+              <a:t>DS</a:t>
+            </a:r>
+            <a:r>
+              <a:rPr lang="en-IN" dirty="0"/>
+              <a:t>=650V</a:t>
+            </a:r>
+            <a:endParaRPr lang="en-IN" baseline="-25000" dirty="0"/>
+          </a:p>
+        </p:txBody>
+      </p:sp>
+      <p:pic>
+        <p:nvPicPr>
+          <p:cNvPr id="11" name="Picture 10">
+            <a:extLst>
+              <a:ext uri="{FF2B5EF4-FFF2-40B4-BE49-F238E27FC236}">
+                <a16:creationId xmlns:a16="http://schemas.microsoft.com/office/drawing/2014/main" id="{037507AA-826C-DFDD-B7C8-85FB2217AB3A}"/>
+              </a:ext>
+            </a:extLst>
+          </p:cNvPr>
+          <p:cNvPicPr>
+            <a:picLocks noChangeAspect="1"/>
+          </p:cNvPicPr>
+          <p:nvPr/>
+        </p:nvPicPr>
+        <p:blipFill>
+          <a:blip r:embed="rId2"/>
+          <a:stretch>
+            <a:fillRect/>
+          </a:stretch>
+        </p:blipFill>
+        <p:spPr>
+          <a:xfrm>
+            <a:off x="8925362" y="1690688"/>
+            <a:ext cx="2151783" cy="1563629"/>
+          </a:xfrm>
+          <a:prstGeom prst="rect">
+            <a:avLst/>
+          </a:prstGeom>
+        </p:spPr>
+      </p:pic>
+      <p:pic>
+        <p:nvPicPr>
+          <p:cNvPr id="13" name="Picture 12">
+            <a:extLst>
+              <a:ext uri="{FF2B5EF4-FFF2-40B4-BE49-F238E27FC236}">
+                <a16:creationId xmlns:a16="http://schemas.microsoft.com/office/drawing/2014/main" id="{955293A1-BB10-4A5B-15E7-687880E5E522}"/>
+              </a:ext>
+            </a:extLst>
+          </p:cNvPr>
+          <p:cNvPicPr>
+            <a:picLocks noChangeAspect="1"/>
+          </p:cNvPicPr>
+          <p:nvPr/>
+        </p:nvPicPr>
+        <p:blipFill>
+          <a:blip r:embed="rId3"/>
+          <a:stretch>
+            <a:fillRect/>
+          </a:stretch>
+        </p:blipFill>
+        <p:spPr>
+          <a:xfrm>
+            <a:off x="514251" y="3195737"/>
+            <a:ext cx="3560571" cy="3411438"/>
+          </a:xfrm>
+          <a:prstGeom prst="rect">
+            <a:avLst/>
+          </a:prstGeom>
+        </p:spPr>
+      </p:pic>
+      <p:pic>
+        <p:nvPicPr>
+          <p:cNvPr id="15" name="Picture 14">
+            <a:extLst>
+              <a:ext uri="{FF2B5EF4-FFF2-40B4-BE49-F238E27FC236}">
+                <a16:creationId xmlns:a16="http://schemas.microsoft.com/office/drawing/2014/main" id="{E1C0F151-546B-AC75-FE08-F9651F0D5C27}"/>
+              </a:ext>
+            </a:extLst>
+          </p:cNvPr>
+          <p:cNvPicPr>
+            <a:picLocks noChangeAspect="1"/>
+          </p:cNvPicPr>
+          <p:nvPr/>
+        </p:nvPicPr>
+        <p:blipFill rotWithShape="1">
+          <a:blip r:embed="rId4"/>
+          <a:srcRect t="1320"/>
+          <a:stretch/>
+        </p:blipFill>
+        <p:spPr>
+          <a:xfrm>
+            <a:off x="4585233" y="3226613"/>
+            <a:ext cx="3088119" cy="3500438"/>
+          </a:xfrm>
+          <a:prstGeom prst="rect">
+            <a:avLst/>
+          </a:prstGeom>
+        </p:spPr>
+      </p:pic>
+      <p:sp>
+        <p:nvSpPr>
+          <p:cNvPr id="5" name="TextBox 4">
+            <a:extLst>
+              <a:ext uri="{FF2B5EF4-FFF2-40B4-BE49-F238E27FC236}">
+                <a16:creationId xmlns:a16="http://schemas.microsoft.com/office/drawing/2014/main" id="{273F780E-C034-A323-1FAC-23607606EFDD}"/>
+              </a:ext>
+            </a:extLst>
+          </p:cNvPr>
+          <p:cNvSpPr txBox="1"/>
+          <p:nvPr/>
+        </p:nvSpPr>
+        <p:spPr>
+          <a:xfrm>
+            <a:off x="8025141" y="5960844"/>
+            <a:ext cx="4097655" cy="646331"/>
+          </a:xfrm>
+          <a:prstGeom prst="rect">
+            <a:avLst/>
+          </a:prstGeom>
+          <a:noFill/>
+        </p:spPr>
+        <p:txBody>
+          <a:bodyPr wrap="square">
+            <a:spAutoFit/>
+          </a:bodyPr>
+          <a:lstStyle/>
+          <a:p>
+            <a:r>
+              <a:rPr lang="en-IN" dirty="0"/>
+              <a:t>https://www.digikey.in/en/products/detail/onsemi/NXV65HR82DS1/14005246</a:t>
+            </a:r>
+          </a:p>
+        </p:txBody>
+      </p:sp>
+    </p:spTree>
+    <p:extLst>
+      <p:ext uri="{BB962C8B-B14F-4D97-AF65-F5344CB8AC3E}">
+        <p14:creationId xmlns:p14="http://schemas.microsoft.com/office/powerpoint/2010/main" val="2888503266"/>
+      </p:ext>
+    </p:extLst>
+  </p:cSld>
+  <p:clrMapOvr>
+    <a:masterClrMapping/>
+  </p:clrMapOvr>
+</p:sld>
+</file>
+
+<file path=ppt/slides/slide5.xml><?xml version="1.0" encoding="utf-8"?>
+<p:sld xmlns:a="http://schemas.openxmlformats.org/drawingml/2006/main" xmlns:r="http://schemas.openxmlformats.org/officeDocument/2006/relationships" xmlns:p="http://schemas.openxmlformats.org/presentationml/2006/main">
+  <p:cSld>
+    <p:spTree>
+      <p:nvGrpSpPr>
+        <p:cNvPr id="1" name=""/>
+        <p:cNvGrpSpPr/>
+        <p:nvPr/>
+      </p:nvGrpSpPr>
+      <p:grpSpPr>
+        <a:xfrm>
+          <a:off x="0" y="0"/>
+          <a:ext cx="0" cy="0"/>
+          <a:chOff x="0" y="0"/>
+          <a:chExt cx="0" cy="0"/>
+        </a:xfrm>
+      </p:grpSpPr>
+      <p:sp>
+        <p:nvSpPr>
+          <p:cNvPr id="2" name="Title 1">
+            <a:extLst>
+              <a:ext uri="{FF2B5EF4-FFF2-40B4-BE49-F238E27FC236}">
                 <a16:creationId xmlns:a16="http://schemas.microsoft.com/office/drawing/2014/main" id="{19620F17-AA94-F5A7-6207-21D5AC9C133E}"/>
               </a:ext>
             </a:extLst>
@@ -3834,7 +3985,7 @@
             <a:pPr algn="ctr"/>
             <a:r>
               <a:rPr lang="en-GB" dirty="0"/>
-              <a:t>Characteristic of MOSFETS</a:t>
+              <a:t>Characteristic of MOSFETS in the H-bridge</a:t>
             </a:r>
             <a:endParaRPr lang="en-IN" dirty="0"/>
           </a:p>
@@ -3912,7 +4063,7 @@
 </p:sld>
 </file>
 
-<file path=ppt/slides/slide5.xml><?xml version="1.0" encoding="utf-8"?>
+<file path=ppt/slides/slide6.xml><?xml version="1.0" encoding="utf-8"?>
 <p:sld xmlns:a="http://schemas.openxmlformats.org/drawingml/2006/main" xmlns:r="http://schemas.openxmlformats.org/officeDocument/2006/relationships" xmlns:p="http://schemas.openxmlformats.org/presentationml/2006/main">
   <p:cSld>
     <p:spTree>
@@ -3991,6 +4142,275 @@
     <p:extLst>
       <p:ext uri="{BB962C8B-B14F-4D97-AF65-F5344CB8AC3E}">
         <p14:creationId xmlns:p14="http://schemas.microsoft.com/office/powerpoint/2010/main" val="2553205775"/>
+      </p:ext>
+    </p:extLst>
+  </p:cSld>
+  <p:clrMapOvr>
+    <a:masterClrMapping/>
+  </p:clrMapOvr>
+</p:sld>
+</file>
+
+<file path=ppt/slides/slide7.xml><?xml version="1.0" encoding="utf-8"?>
+<p:sld xmlns:a="http://schemas.openxmlformats.org/drawingml/2006/main" xmlns:r="http://schemas.openxmlformats.org/officeDocument/2006/relationships" xmlns:p="http://schemas.openxmlformats.org/presentationml/2006/main">
+  <p:cSld>
+    <p:spTree>
+      <p:nvGrpSpPr>
+        <p:cNvPr id="1" name=""/>
+        <p:cNvGrpSpPr/>
+        <p:nvPr/>
+      </p:nvGrpSpPr>
+      <p:grpSpPr>
+        <a:xfrm>
+          <a:off x="0" y="0"/>
+          <a:ext cx="0" cy="0"/>
+          <a:chOff x="0" y="0"/>
+          <a:chExt cx="0" cy="0"/>
+        </a:xfrm>
+      </p:grpSpPr>
+      <p:sp>
+        <p:nvSpPr>
+          <p:cNvPr id="2" name="Title 1">
+            <a:extLst>
+              <a:ext uri="{FF2B5EF4-FFF2-40B4-BE49-F238E27FC236}">
+                <a16:creationId xmlns:a16="http://schemas.microsoft.com/office/drawing/2014/main" id="{DF04A2AC-9652-54B6-4CBB-CD920D6BC1FB}"/>
+              </a:ext>
+            </a:extLst>
+          </p:cNvPr>
+          <p:cNvSpPr>
+            <a:spLocks noGrp="1"/>
+          </p:cNvSpPr>
+          <p:nvPr>
+            <p:ph type="title"/>
+          </p:nvPr>
+        </p:nvSpPr>
+        <p:spPr/>
+        <p:txBody>
+          <a:bodyPr/>
+          <a:lstStyle/>
+          <a:p>
+            <a:r>
+              <a:rPr lang="en-GB" dirty="0"/>
+              <a:t>Creating a H-bridge directly using MOSFETs</a:t>
+            </a:r>
+            <a:endParaRPr lang="en-IN" dirty="0"/>
+          </a:p>
+        </p:txBody>
+      </p:sp>
+      <p:sp>
+        <p:nvSpPr>
+          <p:cNvPr id="3" name="Content Placeholder 2">
+            <a:extLst>
+              <a:ext uri="{FF2B5EF4-FFF2-40B4-BE49-F238E27FC236}">
+                <a16:creationId xmlns:a16="http://schemas.microsoft.com/office/drawing/2014/main" id="{DF6CFAD3-AE3A-2BF2-6EDB-470795260F7F}"/>
+              </a:ext>
+            </a:extLst>
+          </p:cNvPr>
+          <p:cNvSpPr>
+            <a:spLocks noGrp="1"/>
+          </p:cNvSpPr>
+          <p:nvPr>
+            <p:ph idx="1"/>
+          </p:nvPr>
+        </p:nvSpPr>
+        <p:spPr/>
+        <p:txBody>
+          <a:bodyPr/>
+          <a:lstStyle/>
+          <a:p>
+            <a:pPr marL="0" indent="0">
+              <a:buNone/>
+            </a:pPr>
+            <a:endParaRPr lang="en-IN" sz="1100" dirty="0"/>
+          </a:p>
+          <a:p>
+            <a:endParaRPr lang="en-IN" dirty="0"/>
+          </a:p>
+          <a:p>
+            <a:endParaRPr lang="en-IN" dirty="0"/>
+          </a:p>
+          <a:p>
+            <a:r>
+              <a:rPr lang="en-IN" dirty="0"/>
+              <a:t>SIHD5N80AE-GE3</a:t>
+            </a:r>
+          </a:p>
+          <a:p>
+            <a:pPr marL="0" indent="0">
+              <a:buNone/>
+            </a:pPr>
+            <a:r>
+              <a:rPr lang="en-IN" dirty="0"/>
+              <a:t>V</a:t>
+            </a:r>
+            <a:r>
+              <a:rPr lang="en-IN" baseline="-25000" dirty="0"/>
+              <a:t>DS(max)</a:t>
+            </a:r>
+            <a:r>
+              <a:rPr lang="en-IN" dirty="0"/>
+              <a:t>=800V , V</a:t>
+            </a:r>
+            <a:r>
+              <a:rPr lang="en-IN" baseline="-25000" dirty="0"/>
+              <a:t>T</a:t>
+            </a:r>
+            <a:r>
+              <a:rPr lang="en-IN" dirty="0"/>
+              <a:t> = 4V: </a:t>
+            </a:r>
+            <a:r>
+              <a:rPr lang="en-IN" sz="1100" dirty="0"/>
+              <a:t>https://toshiba.semicon-storage.com/info/TK3P80E_datasheet_en_20140917.pdf?did=14695&amp;prodName=TK3P80E</a:t>
+            </a:r>
+          </a:p>
+          <a:p>
+            <a:r>
+              <a:rPr lang="en-IN" dirty="0"/>
+              <a:t>TK3P80E,RQ</a:t>
+            </a:r>
+          </a:p>
+          <a:p>
+            <a:pPr marL="0" indent="0">
+              <a:buNone/>
+            </a:pPr>
+            <a:r>
+              <a:rPr lang="en-IN" dirty="0"/>
+              <a:t>V</a:t>
+            </a:r>
+            <a:r>
+              <a:rPr lang="en-IN" baseline="-25000" dirty="0"/>
+              <a:t>DS(max)</a:t>
+            </a:r>
+            <a:r>
+              <a:rPr lang="en-IN" dirty="0"/>
+              <a:t>=800V , V</a:t>
+            </a:r>
+            <a:r>
+              <a:rPr lang="en-IN" baseline="-25000" dirty="0"/>
+              <a:t>T</a:t>
+            </a:r>
+            <a:r>
+              <a:rPr lang="en-IN" dirty="0"/>
+              <a:t> = 4V : </a:t>
+            </a:r>
+            <a:r>
+              <a:rPr lang="en-IN" sz="1050" dirty="0"/>
+              <a:t>https://toshiba.semicon-storage.com/info/TK3P80E_datasheet_en_20140917.pdf?did=14695&amp;prodName=TK3P80E</a:t>
+            </a:r>
+          </a:p>
+          <a:p>
+            <a:endParaRPr lang="en-IN" dirty="0"/>
+          </a:p>
+          <a:p>
+            <a:endParaRPr lang="en-IN" dirty="0"/>
+          </a:p>
+          <a:p>
+            <a:pPr marL="0" indent="0">
+              <a:buNone/>
+            </a:pPr>
+            <a:endParaRPr lang="en-IN" baseline="-25000" dirty="0"/>
+          </a:p>
+          <a:p>
+            <a:pPr marL="0" indent="0">
+              <a:buNone/>
+            </a:pPr>
+            <a:endParaRPr lang="en-IN" baseline="-25000" dirty="0"/>
+          </a:p>
+        </p:txBody>
+      </p:sp>
+    </p:spTree>
+    <p:extLst>
+      <p:ext uri="{BB962C8B-B14F-4D97-AF65-F5344CB8AC3E}">
+        <p14:creationId xmlns:p14="http://schemas.microsoft.com/office/powerpoint/2010/main" val="2895702135"/>
+      </p:ext>
+    </p:extLst>
+  </p:cSld>
+  <p:clrMapOvr>
+    <a:masterClrMapping/>
+  </p:clrMapOvr>
+</p:sld>
+</file>
+
+<file path=ppt/slides/slide8.xml><?xml version="1.0" encoding="utf-8"?>
+<p:sld xmlns:a="http://schemas.openxmlformats.org/drawingml/2006/main" xmlns:r="http://schemas.openxmlformats.org/officeDocument/2006/relationships" xmlns:p="http://schemas.openxmlformats.org/presentationml/2006/main">
+  <p:cSld>
+    <p:spTree>
+      <p:nvGrpSpPr>
+        <p:cNvPr id="1" name=""/>
+        <p:cNvGrpSpPr/>
+        <p:nvPr/>
+      </p:nvGrpSpPr>
+      <p:grpSpPr>
+        <a:xfrm>
+          <a:off x="0" y="0"/>
+          <a:ext cx="0" cy="0"/>
+          <a:chOff x="0" y="0"/>
+          <a:chExt cx="0" cy="0"/>
+        </a:xfrm>
+      </p:grpSpPr>
+      <p:sp>
+        <p:nvSpPr>
+          <p:cNvPr id="2" name="Title 1">
+            <a:extLst>
+              <a:ext uri="{FF2B5EF4-FFF2-40B4-BE49-F238E27FC236}">
+                <a16:creationId xmlns:a16="http://schemas.microsoft.com/office/drawing/2014/main" id="{F9D3FEBE-185F-6F27-C72D-6791065FE70C}"/>
+              </a:ext>
+            </a:extLst>
+          </p:cNvPr>
+          <p:cNvSpPr>
+            <a:spLocks noGrp="1"/>
+          </p:cNvSpPr>
+          <p:nvPr>
+            <p:ph type="title"/>
+          </p:nvPr>
+        </p:nvSpPr>
+        <p:spPr/>
+        <p:txBody>
+          <a:bodyPr/>
+          <a:lstStyle/>
+          <a:p>
+            <a:r>
+              <a:rPr lang="en-GB" dirty="0" err="1"/>
+              <a:t>Simlation</a:t>
+            </a:r>
+            <a:r>
+              <a:rPr lang="en-GB" dirty="0"/>
+              <a:t> of H-bridge with MOSFET</a:t>
+            </a:r>
+            <a:endParaRPr lang="en-IN" dirty="0"/>
+          </a:p>
+        </p:txBody>
+      </p:sp>
+      <p:sp>
+        <p:nvSpPr>
+          <p:cNvPr id="3" name="Content Placeholder 2">
+            <a:extLst>
+              <a:ext uri="{FF2B5EF4-FFF2-40B4-BE49-F238E27FC236}">
+                <a16:creationId xmlns:a16="http://schemas.microsoft.com/office/drawing/2014/main" id="{491377A2-F652-67D7-4DD4-8FD60A851B23}"/>
+              </a:ext>
+            </a:extLst>
+          </p:cNvPr>
+          <p:cNvSpPr>
+            <a:spLocks noGrp="1"/>
+          </p:cNvSpPr>
+          <p:nvPr>
+            <p:ph idx="1"/>
+          </p:nvPr>
+        </p:nvSpPr>
+        <p:spPr/>
+        <p:txBody>
+          <a:bodyPr/>
+          <a:lstStyle/>
+          <a:p>
+            <a:endParaRPr lang="en-IN"/>
+          </a:p>
+        </p:txBody>
+      </p:sp>
+    </p:spTree>
+    <p:extLst>
+      <p:ext uri="{BB962C8B-B14F-4D97-AF65-F5344CB8AC3E}">
+        <p14:creationId xmlns:p14="http://schemas.microsoft.com/office/powerpoint/2010/main" val="125737391"/>
       </p:ext>
     </p:extLst>
   </p:cSld>

--- a/components/Millikan.pptx
+++ b/components/Millikan.pptx
@@ -11,8 +11,8 @@
     <p:sldId id="258" r:id="rId5"/>
     <p:sldId id="260" r:id="rId6"/>
     <p:sldId id="259" r:id="rId7"/>
-    <p:sldId id="263" r:id="rId8"/>
-    <p:sldId id="264" r:id="rId9"/>
+    <p:sldId id="264" r:id="rId8"/>
+    <p:sldId id="263" r:id="rId9"/>
   </p:sldIdLst>
   <p:sldSz cx="12192000" cy="6858000"/>
   <p:notesSz cx="6858000" cy="9144000"/>
@@ -268,7 +268,7 @@
           <a:p>
             <a:fld id="{E8CDABE7-26A0-4D19-9299-1D29AD72518A}" type="datetimeFigureOut">
               <a:rPr lang="en-IN" smtClean="0"/>
-              <a:t>24-08-2023</a:t>
+              <a:t>02-09-2023</a:t>
             </a:fld>
             <a:endParaRPr lang="en-IN"/>
           </a:p>
@@ -468,7 +468,7 @@
           <a:p>
             <a:fld id="{E8CDABE7-26A0-4D19-9299-1D29AD72518A}" type="datetimeFigureOut">
               <a:rPr lang="en-IN" smtClean="0"/>
-              <a:t>24-08-2023</a:t>
+              <a:t>02-09-2023</a:t>
             </a:fld>
             <a:endParaRPr lang="en-IN"/>
           </a:p>
@@ -678,7 +678,7 @@
           <a:p>
             <a:fld id="{E8CDABE7-26A0-4D19-9299-1D29AD72518A}" type="datetimeFigureOut">
               <a:rPr lang="en-IN" smtClean="0"/>
-              <a:t>24-08-2023</a:t>
+              <a:t>02-09-2023</a:t>
             </a:fld>
             <a:endParaRPr lang="en-IN"/>
           </a:p>
@@ -878,7 +878,7 @@
           <a:p>
             <a:fld id="{E8CDABE7-26A0-4D19-9299-1D29AD72518A}" type="datetimeFigureOut">
               <a:rPr lang="en-IN" smtClean="0"/>
-              <a:t>24-08-2023</a:t>
+              <a:t>02-09-2023</a:t>
             </a:fld>
             <a:endParaRPr lang="en-IN"/>
           </a:p>
@@ -1154,7 +1154,7 @@
           <a:p>
             <a:fld id="{E8CDABE7-26A0-4D19-9299-1D29AD72518A}" type="datetimeFigureOut">
               <a:rPr lang="en-IN" smtClean="0"/>
-              <a:t>24-08-2023</a:t>
+              <a:t>02-09-2023</a:t>
             </a:fld>
             <a:endParaRPr lang="en-IN"/>
           </a:p>
@@ -1422,7 +1422,7 @@
           <a:p>
             <a:fld id="{E8CDABE7-26A0-4D19-9299-1D29AD72518A}" type="datetimeFigureOut">
               <a:rPr lang="en-IN" smtClean="0"/>
-              <a:t>24-08-2023</a:t>
+              <a:t>02-09-2023</a:t>
             </a:fld>
             <a:endParaRPr lang="en-IN"/>
           </a:p>
@@ -1837,7 +1837,7 @@
           <a:p>
             <a:fld id="{E8CDABE7-26A0-4D19-9299-1D29AD72518A}" type="datetimeFigureOut">
               <a:rPr lang="en-IN" smtClean="0"/>
-              <a:t>24-08-2023</a:t>
+              <a:t>02-09-2023</a:t>
             </a:fld>
             <a:endParaRPr lang="en-IN"/>
           </a:p>
@@ -1979,7 +1979,7 @@
           <a:p>
             <a:fld id="{E8CDABE7-26A0-4D19-9299-1D29AD72518A}" type="datetimeFigureOut">
               <a:rPr lang="en-IN" smtClean="0"/>
-              <a:t>24-08-2023</a:t>
+              <a:t>02-09-2023</a:t>
             </a:fld>
             <a:endParaRPr lang="en-IN"/>
           </a:p>
@@ -2092,7 +2092,7 @@
           <a:p>
             <a:fld id="{E8CDABE7-26A0-4D19-9299-1D29AD72518A}" type="datetimeFigureOut">
               <a:rPr lang="en-IN" smtClean="0"/>
-              <a:t>24-08-2023</a:t>
+              <a:t>02-09-2023</a:t>
             </a:fld>
             <a:endParaRPr lang="en-IN"/>
           </a:p>
@@ -2405,7 +2405,7 @@
           <a:p>
             <a:fld id="{E8CDABE7-26A0-4D19-9299-1D29AD72518A}" type="datetimeFigureOut">
               <a:rPr lang="en-IN" smtClean="0"/>
-              <a:t>24-08-2023</a:t>
+              <a:t>02-09-2023</a:t>
             </a:fld>
             <a:endParaRPr lang="en-IN"/>
           </a:p>
@@ -2694,7 +2694,7 @@
           <a:p>
             <a:fld id="{E8CDABE7-26A0-4D19-9299-1D29AD72518A}" type="datetimeFigureOut">
               <a:rPr lang="en-IN" smtClean="0"/>
-              <a:t>24-08-2023</a:t>
+              <a:t>02-09-2023</a:t>
             </a:fld>
             <a:endParaRPr lang="en-IN"/>
           </a:p>
@@ -2937,7 +2937,7 @@
           <a:p>
             <a:fld id="{E8CDABE7-26A0-4D19-9299-1D29AD72518A}" type="datetimeFigureOut">
               <a:rPr lang="en-IN" smtClean="0"/>
-              <a:t>24-08-2023</a:t>
+              <a:t>02-09-2023</a:t>
             </a:fld>
             <a:endParaRPr lang="en-IN"/>
           </a:p>
@@ -4173,7 +4173,7 @@
           <p:cNvPr id="2" name="Title 1">
             <a:extLst>
               <a:ext uri="{FF2B5EF4-FFF2-40B4-BE49-F238E27FC236}">
-                <a16:creationId xmlns:a16="http://schemas.microsoft.com/office/drawing/2014/main" id="{DF04A2AC-9652-54B6-4CBB-CD920D6BC1FB}"/>
+                <a16:creationId xmlns:a16="http://schemas.microsoft.com/office/drawing/2014/main" id="{F9D3FEBE-185F-6F27-C72D-6791065FE70C}"/>
               </a:ext>
             </a:extLst>
           </p:cNvPr>
@@ -4191,138 +4191,102 @@
           <a:p>
             <a:r>
               <a:rPr lang="en-GB" dirty="0"/>
-              <a:t>Creating a H-bridge directly using MOSFETs</a:t>
+              <a:t>Simulation of H-bridge with MOSFET</a:t>
             </a:r>
             <a:endParaRPr lang="en-IN" dirty="0"/>
           </a:p>
         </p:txBody>
       </p:sp>
-      <p:sp>
-        <p:nvSpPr>
-          <p:cNvPr id="3" name="Content Placeholder 2">
-            <a:extLst>
-              <a:ext uri="{FF2B5EF4-FFF2-40B4-BE49-F238E27FC236}">
-                <a16:creationId xmlns:a16="http://schemas.microsoft.com/office/drawing/2014/main" id="{DF6CFAD3-AE3A-2BF2-6EDB-470795260F7F}"/>
-              </a:ext>
-            </a:extLst>
-          </p:cNvPr>
-          <p:cNvSpPr>
-            <a:spLocks noGrp="1"/>
-          </p:cNvSpPr>
+      <p:pic>
+        <p:nvPicPr>
+          <p:cNvPr id="5" name="Content Placeholder 4">
+            <a:extLst>
+              <a:ext uri="{FF2B5EF4-FFF2-40B4-BE49-F238E27FC236}">
+                <a16:creationId xmlns:a16="http://schemas.microsoft.com/office/drawing/2014/main" id="{701BC444-BF68-2088-DD03-65497F959BA1}"/>
+              </a:ext>
+            </a:extLst>
+          </p:cNvPr>
+          <p:cNvPicPr>
+            <a:picLocks noGrp="1" noChangeAspect="1"/>
+          </p:cNvPicPr>
           <p:nvPr>
             <p:ph idx="1"/>
           </p:nvPr>
-        </p:nvSpPr>
-        <p:spPr/>
-        <p:txBody>
-          <a:bodyPr/>
-          <a:lstStyle/>
-          <a:p>
-            <a:pPr marL="0" indent="0">
-              <a:buNone/>
-            </a:pPr>
-            <a:endParaRPr lang="en-IN" sz="1100" dirty="0"/>
+        </p:nvPicPr>
+        <p:blipFill>
+          <a:blip r:embed="rId2"/>
+          <a:stretch>
+            <a:fillRect/>
+          </a:stretch>
+        </p:blipFill>
+        <p:spPr>
+          <a:xfrm>
+            <a:off x="7467946" y="1388514"/>
+            <a:ext cx="4023014" cy="5009661"/>
+          </a:xfrm>
+        </p:spPr>
+      </p:pic>
+      <p:sp>
+        <p:nvSpPr>
+          <p:cNvPr id="7" name="TextBox 6">
+            <a:extLst>
+              <a:ext uri="{FF2B5EF4-FFF2-40B4-BE49-F238E27FC236}">
+                <a16:creationId xmlns:a16="http://schemas.microsoft.com/office/drawing/2014/main" id="{D743DFED-5295-C391-9F8E-C792ECF006F7}"/>
+              </a:ext>
+            </a:extLst>
+          </p:cNvPr>
+          <p:cNvSpPr txBox="1"/>
+          <p:nvPr/>
+        </p:nvSpPr>
+        <p:spPr>
+          <a:xfrm>
+            <a:off x="1056640" y="1605280"/>
+            <a:ext cx="5191760" cy="1200329"/>
+          </a:xfrm>
+          <a:prstGeom prst="rect">
+            <a:avLst/>
+          </a:prstGeom>
+          <a:noFill/>
+        </p:spPr>
+        <p:txBody>
+          <a:bodyPr wrap="square" rtlCol="0">
+            <a:spAutoFit/>
+          </a:bodyPr>
+          <a:lstStyle/>
+          <a:p>
+            <a:r>
+              <a:rPr lang="en-GB" dirty="0"/>
+              <a:t>Maximum value of V</a:t>
+            </a:r>
+            <a:r>
+              <a:rPr lang="en-GB" baseline="-25000" dirty="0"/>
+              <a:t>DS</a:t>
+            </a:r>
+            <a:r>
+              <a:rPr lang="en-GB" dirty="0"/>
+              <a:t>=3V</a:t>
+            </a:r>
+          </a:p>
+          <a:p>
+            <a:r>
+              <a:rPr lang="en-GB" baseline="-25000" dirty="0"/>
+              <a:t>  </a:t>
+            </a:r>
+            <a:r>
+              <a:rPr lang="en-GB" dirty="0"/>
+              <a:t>We can use a power MOSFET with much higher drain-source  breakdown voltage</a:t>
+            </a:r>
+            <a:endParaRPr lang="en-GB" baseline="-25000" dirty="0"/>
           </a:p>
           <a:p>
             <a:endParaRPr lang="en-IN" dirty="0"/>
-          </a:p>
-          <a:p>
-            <a:endParaRPr lang="en-IN" dirty="0"/>
-          </a:p>
-          <a:p>
-            <a:r>
-              <a:rPr lang="en-IN" dirty="0"/>
-              <a:t>SIHD5N80AE-GE3</a:t>
-            </a:r>
-          </a:p>
-          <a:p>
-            <a:pPr marL="0" indent="0">
-              <a:buNone/>
-            </a:pPr>
-            <a:r>
-              <a:rPr lang="en-IN" dirty="0"/>
-              <a:t>V</a:t>
-            </a:r>
-            <a:r>
-              <a:rPr lang="en-IN" baseline="-25000" dirty="0"/>
-              <a:t>DS(max)</a:t>
-            </a:r>
-            <a:r>
-              <a:rPr lang="en-IN" dirty="0"/>
-              <a:t>=800V , V</a:t>
-            </a:r>
-            <a:r>
-              <a:rPr lang="en-IN" baseline="-25000" dirty="0"/>
-              <a:t>T</a:t>
-            </a:r>
-            <a:r>
-              <a:rPr lang="en-IN" dirty="0"/>
-              <a:t> = 4V: </a:t>
-            </a:r>
-            <a:r>
-              <a:rPr lang="en-IN" sz="1100" dirty="0"/>
-              <a:t>https://toshiba.semicon-storage.com/info/TK3P80E_datasheet_en_20140917.pdf?did=14695&amp;prodName=TK3P80E</a:t>
-            </a:r>
-          </a:p>
-          <a:p>
-            <a:r>
-              <a:rPr lang="en-IN" dirty="0"/>
-              <a:t>TK3P80E,RQ</a:t>
-            </a:r>
-          </a:p>
-          <a:p>
-            <a:pPr marL="0" indent="0">
-              <a:buNone/>
-            </a:pPr>
-            <a:r>
-              <a:rPr lang="en-IN" dirty="0"/>
-              <a:t>V</a:t>
-            </a:r>
-            <a:r>
-              <a:rPr lang="en-IN" baseline="-25000" dirty="0"/>
-              <a:t>DS(max)</a:t>
-            </a:r>
-            <a:r>
-              <a:rPr lang="en-IN" dirty="0"/>
-              <a:t>=800V , V</a:t>
-            </a:r>
-            <a:r>
-              <a:rPr lang="en-IN" baseline="-25000" dirty="0"/>
-              <a:t>T</a:t>
-            </a:r>
-            <a:r>
-              <a:rPr lang="en-IN" dirty="0"/>
-              <a:t> = 4V : </a:t>
-            </a:r>
-            <a:r>
-              <a:rPr lang="en-IN" sz="1050" dirty="0"/>
-              <a:t>https://toshiba.semicon-storage.com/info/TK3P80E_datasheet_en_20140917.pdf?did=14695&amp;prodName=TK3P80E</a:t>
-            </a:r>
-          </a:p>
-          <a:p>
-            <a:endParaRPr lang="en-IN" dirty="0"/>
-          </a:p>
-          <a:p>
-            <a:endParaRPr lang="en-IN" dirty="0"/>
-          </a:p>
-          <a:p>
-            <a:pPr marL="0" indent="0">
-              <a:buNone/>
-            </a:pPr>
-            <a:endParaRPr lang="en-IN" baseline="-25000" dirty="0"/>
-          </a:p>
-          <a:p>
-            <a:pPr marL="0" indent="0">
-              <a:buNone/>
-            </a:pPr>
-            <a:endParaRPr lang="en-IN" baseline="-25000" dirty="0"/>
           </a:p>
         </p:txBody>
       </p:sp>
     </p:spTree>
     <p:extLst>
       <p:ext uri="{BB962C8B-B14F-4D97-AF65-F5344CB8AC3E}">
-        <p14:creationId xmlns:p14="http://schemas.microsoft.com/office/powerpoint/2010/main" val="2895702135"/>
+        <p14:creationId xmlns:p14="http://schemas.microsoft.com/office/powerpoint/2010/main" val="125737391"/>
       </p:ext>
     </p:extLst>
   </p:cSld>
@@ -4354,7 +4318,7 @@
           <p:cNvPr id="2" name="Title 1">
             <a:extLst>
               <a:ext uri="{FF2B5EF4-FFF2-40B4-BE49-F238E27FC236}">
-                <a16:creationId xmlns:a16="http://schemas.microsoft.com/office/drawing/2014/main" id="{F9D3FEBE-185F-6F27-C72D-6791065FE70C}"/>
+                <a16:creationId xmlns:a16="http://schemas.microsoft.com/office/drawing/2014/main" id="{DF04A2AC-9652-54B6-4CBB-CD920D6BC1FB}"/>
               </a:ext>
             </a:extLst>
           </p:cNvPr>
@@ -4371,12 +4335,8 @@
           <a:lstStyle/>
           <a:p>
             <a:r>
-              <a:rPr lang="en-GB" dirty="0" err="1"/>
-              <a:t>Simlation</a:t>
-            </a:r>
-            <a:r>
               <a:rPr lang="en-GB" dirty="0"/>
-              <a:t> of H-bridge with MOSFET</a:t>
+              <a:t>Creating a H-bridge directly using MOSFETs</a:t>
             </a:r>
             <a:endParaRPr lang="en-IN" dirty="0"/>
           </a:p>
@@ -4387,7 +4347,7 @@
           <p:cNvPr id="3" name="Content Placeholder 2">
             <a:extLst>
               <a:ext uri="{FF2B5EF4-FFF2-40B4-BE49-F238E27FC236}">
-                <a16:creationId xmlns:a16="http://schemas.microsoft.com/office/drawing/2014/main" id="{491377A2-F652-67D7-4DD4-8FD60A851B23}"/>
+                <a16:creationId xmlns:a16="http://schemas.microsoft.com/office/drawing/2014/main" id="{DF6CFAD3-AE3A-2BF2-6EDB-470795260F7F}"/>
               </a:ext>
             </a:extLst>
           </p:cNvPr>
@@ -4403,14 +4363,165 @@
           <a:bodyPr/>
           <a:lstStyle/>
           <a:p>
-            <a:endParaRPr lang="en-IN"/>
-          </a:p>
-        </p:txBody>
-      </p:sp>
+            <a:pPr marL="0" indent="0">
+              <a:buNone/>
+            </a:pPr>
+            <a:endParaRPr lang="en-IN" dirty="0"/>
+          </a:p>
+          <a:p>
+            <a:r>
+              <a:rPr lang="en-IN" dirty="0"/>
+              <a:t>SIHD5N80AE-GE3</a:t>
+            </a:r>
+          </a:p>
+          <a:p>
+            <a:pPr marL="0" indent="0">
+              <a:buNone/>
+            </a:pPr>
+            <a:r>
+              <a:rPr lang="en-IN" dirty="0"/>
+              <a:t>V</a:t>
+            </a:r>
+            <a:r>
+              <a:rPr lang="en-IN" baseline="-25000" dirty="0"/>
+              <a:t>DS(max)</a:t>
+            </a:r>
+            <a:r>
+              <a:rPr lang="en-IN" dirty="0"/>
+              <a:t>=800V , V</a:t>
+            </a:r>
+            <a:r>
+              <a:rPr lang="en-IN" baseline="-25000" dirty="0"/>
+              <a:t>T</a:t>
+            </a:r>
+            <a:r>
+              <a:rPr lang="en-IN" dirty="0"/>
+              <a:t> = 4V: </a:t>
+            </a:r>
+            <a:r>
+              <a:rPr lang="en-IN" sz="1100" dirty="0"/>
+              <a:t>https://toshiba.semicon-storage.com/info/TK3P80E_datasheet_en_20140917.pdf?did=14695&amp;prodName=TK3P80E</a:t>
+            </a:r>
+          </a:p>
+          <a:p>
+            <a:r>
+              <a:rPr lang="en-IN" dirty="0"/>
+              <a:t>TK3P80E,RQ</a:t>
+            </a:r>
+          </a:p>
+          <a:p>
+            <a:pPr marL="0" indent="0">
+              <a:buNone/>
+            </a:pPr>
+            <a:r>
+              <a:rPr lang="en-IN" dirty="0"/>
+              <a:t>V</a:t>
+            </a:r>
+            <a:r>
+              <a:rPr lang="en-IN" baseline="-25000" dirty="0"/>
+              <a:t>DS(max)</a:t>
+            </a:r>
+            <a:r>
+              <a:rPr lang="en-IN" dirty="0"/>
+              <a:t>=800V , V</a:t>
+            </a:r>
+            <a:r>
+              <a:rPr lang="en-IN" baseline="-25000" dirty="0"/>
+              <a:t>T</a:t>
+            </a:r>
+            <a:r>
+              <a:rPr lang="en-IN" dirty="0"/>
+              <a:t> = 4V : </a:t>
+            </a:r>
+            <a:r>
+              <a:rPr lang="en-IN" sz="1050" dirty="0"/>
+              <a:t>https://toshiba.semicon-storage.com/info/TK3P80E_datasheet_en_20140917.pdf?did=14695&amp;prodName=TK3P80E</a:t>
+            </a:r>
+          </a:p>
+          <a:p>
+            <a:endParaRPr lang="en-IN" dirty="0"/>
+          </a:p>
+          <a:p>
+            <a:endParaRPr lang="en-IN" dirty="0"/>
+          </a:p>
+          <a:p>
+            <a:pPr marL="0" indent="0">
+              <a:buNone/>
+            </a:pPr>
+            <a:endParaRPr lang="en-IN" baseline="-25000" dirty="0"/>
+          </a:p>
+          <a:p>
+            <a:pPr marL="0" indent="0">
+              <a:buNone/>
+            </a:pPr>
+            <a:endParaRPr lang="en-IN" baseline="-25000" dirty="0"/>
+          </a:p>
+        </p:txBody>
+      </p:sp>
+      <p:pic>
+        <p:nvPicPr>
+          <p:cNvPr id="5" name="Picture 4">
+            <a:extLst>
+              <a:ext uri="{FF2B5EF4-FFF2-40B4-BE49-F238E27FC236}">
+                <a16:creationId xmlns:a16="http://schemas.microsoft.com/office/drawing/2014/main" id="{F26535E1-5C7E-FAB0-1513-4E10250FF4BC}"/>
+              </a:ext>
+            </a:extLst>
+          </p:cNvPr>
+          <p:cNvPicPr>
+            <a:picLocks noChangeAspect="1"/>
+          </p:cNvPicPr>
+          <p:nvPr/>
+        </p:nvPicPr>
+        <p:blipFill>
+          <a:blip r:embed="rId2"/>
+          <a:stretch>
+            <a:fillRect/>
+          </a:stretch>
+        </p:blipFill>
+        <p:spPr>
+          <a:xfrm>
+            <a:off x="4317722" y="1690688"/>
+            <a:ext cx="6401355" cy="914479"/>
+          </a:xfrm>
+          <a:prstGeom prst="rect">
+            <a:avLst/>
+          </a:prstGeom>
+        </p:spPr>
+      </p:pic>
+      <p:pic>
+        <p:nvPicPr>
+          <p:cNvPr id="7" name="Picture 6">
+            <a:extLst>
+              <a:ext uri="{FF2B5EF4-FFF2-40B4-BE49-F238E27FC236}">
+                <a16:creationId xmlns:a16="http://schemas.microsoft.com/office/drawing/2014/main" id="{C53AC1BE-CFC7-E885-8E2E-5C2254059FFF}"/>
+              </a:ext>
+            </a:extLst>
+          </p:cNvPr>
+          <p:cNvPicPr>
+            <a:picLocks noChangeAspect="1"/>
+          </p:cNvPicPr>
+          <p:nvPr/>
+        </p:nvPicPr>
+        <p:blipFill>
+          <a:blip r:embed="rId3"/>
+          <a:stretch>
+            <a:fillRect/>
+          </a:stretch>
+        </p:blipFill>
+        <p:spPr>
+          <a:xfrm>
+            <a:off x="2360727" y="4641486"/>
+            <a:ext cx="4686706" cy="1051651"/>
+          </a:xfrm>
+          <a:prstGeom prst="rect">
+            <a:avLst/>
+          </a:prstGeom>
+        </p:spPr>
+      </p:pic>
     </p:spTree>
     <p:extLst>
       <p:ext uri="{BB962C8B-B14F-4D97-AF65-F5344CB8AC3E}">
-        <p14:creationId xmlns:p14="http://schemas.microsoft.com/office/powerpoint/2010/main" val="125737391"/>
+        <p14:creationId xmlns:p14="http://schemas.microsoft.com/office/powerpoint/2010/main" val="2895702135"/>
       </p:ext>
     </p:extLst>
   </p:cSld>
